--- a/ppt/day-8-java_29_7_2025.pptx
+++ b/ppt/day-8-java_29_7_2025.pptx
@@ -6001,7 +6001,7 @@
         </p:nvCxnSpPr>
         <p:spPr>
           <a:xfrm>
-            <a:off x="7954434" y="5209211"/>
+            <a:off x="4533902" y="5598367"/>
             <a:ext cx="0" cy="491066"/>
           </a:xfrm>
           <a:prstGeom prst="straightConnector1">
@@ -6040,7 +6040,7 @@
         </p:nvSpPr>
         <p:spPr>
           <a:xfrm>
-            <a:off x="7467599" y="4918202"/>
+            <a:off x="4047067" y="5307358"/>
             <a:ext cx="3005667" cy="369332"/>
           </a:xfrm>
           <a:prstGeom prst="rect">
@@ -6079,7 +6079,7 @@
         </p:nvSpPr>
         <p:spPr>
           <a:xfrm>
-            <a:off x="7467598" y="4561759"/>
+            <a:off x="1041400" y="5084420"/>
             <a:ext cx="3005667" cy="369332"/>
           </a:xfrm>
           <a:prstGeom prst="rect">
@@ -6094,13 +6094,55 @@
           <a:lstStyle/>
           <a:p>
             <a:r>
-              <a:rPr lang="en-IN"/>
-              <a:t>wearMusk()</a:t>
-            </a:r>
-            <a:endParaRPr lang="en-IN" dirty="0"/>
-          </a:p>
-        </p:txBody>
-      </p:sp>
+              <a:rPr lang="en-IN" dirty="0" err="1"/>
+              <a:t>wearMusk</a:t>
+            </a:r>
+            <a:r>
+              <a:rPr lang="en-IN" dirty="0"/>
+              <a:t>()</a:t>
+            </a:r>
+          </a:p>
+        </p:txBody>
+      </p:sp>
+      <p:cxnSp>
+        <p:nvCxnSpPr>
+          <p:cNvPr id="17" name="Straight Arrow Connector 16">
+            <a:extLst>
+              <a:ext uri="{FF2B5EF4-FFF2-40B4-BE49-F238E27FC236}">
+                <a16:creationId xmlns:a16="http://schemas.microsoft.com/office/drawing/2014/main" id="{75459265-4794-DEA9-4FD1-7A936AB796F4}"/>
+              </a:ext>
+            </a:extLst>
+          </p:cNvPr>
+          <p:cNvCxnSpPr/>
+          <p:nvPr/>
+        </p:nvCxnSpPr>
+        <p:spPr>
+          <a:xfrm>
+            <a:off x="1841501" y="5380755"/>
+            <a:ext cx="0" cy="491066"/>
+          </a:xfrm>
+          <a:prstGeom prst="straightConnector1">
+            <a:avLst/>
+          </a:prstGeom>
+          <a:ln>
+            <a:tailEnd type="triangle"/>
+          </a:ln>
+        </p:spPr>
+        <p:style>
+          <a:lnRef idx="1">
+            <a:schemeClr val="accent1"/>
+          </a:lnRef>
+          <a:fillRef idx="0">
+            <a:schemeClr val="accent1"/>
+          </a:fillRef>
+          <a:effectRef idx="0">
+            <a:schemeClr val="accent1"/>
+          </a:effectRef>
+          <a:fontRef idx="minor">
+            <a:schemeClr val="tx1"/>
+          </a:fontRef>
+        </p:style>
+      </p:cxnSp>
     </p:spTree>
     <p:extLst>
       <p:ext uri="{BB962C8B-B14F-4D97-AF65-F5344CB8AC3E}">
